--- a/semester1_technology_skills/09_flask/slides/DigitalSkills_01_08_Flask_220726_v1.pptx
+++ b/semester1_technology_skills/09_flask/slides/DigitalSkills_01_08_Flask_220726_v1.pptx
@@ -5,7 +5,7 @@
     <p:sldMasterId id="2147483648" r:id="rId1"/>
   </p:sldMasterIdLst>
   <p:notesMasterIdLst>
-    <p:notesMasterId r:id="rId31"/>
+    <p:notesMasterId r:id="rId33"/>
   </p:notesMasterIdLst>
   <p:sldIdLst>
     <p:sldId id="428" r:id="rId2"/>
@@ -31,17 +31,19 @@
     <p:sldId id="503" r:id="rId22"/>
     <p:sldId id="504" r:id="rId23"/>
     <p:sldId id="505" r:id="rId24"/>
-    <p:sldId id="493" r:id="rId25"/>
-    <p:sldId id="495" r:id="rId26"/>
-    <p:sldId id="496" r:id="rId27"/>
-    <p:sldId id="497" r:id="rId28"/>
-    <p:sldId id="498" r:id="rId29"/>
-    <p:sldId id="506" r:id="rId30"/>
+    <p:sldId id="507" r:id="rId25"/>
+    <p:sldId id="493" r:id="rId26"/>
+    <p:sldId id="495" r:id="rId27"/>
+    <p:sldId id="496" r:id="rId28"/>
+    <p:sldId id="497" r:id="rId29"/>
+    <p:sldId id="498" r:id="rId30"/>
+    <p:sldId id="506" r:id="rId31"/>
+    <p:sldId id="508" r:id="rId32"/>
   </p:sldIdLst>
   <p:sldSz cx="12192000" cy="6858000"/>
   <p:notesSz cx="6858000" cy="9144000"/>
   <p:custDataLst>
-    <p:tags r:id="rId32"/>
+    <p:tags r:id="rId34"/>
   </p:custDataLst>
   <p:defaultTextStyle>
     <a:defPPr>
@@ -1298,8 +1300,13 @@
           <a:p>
             <a:r>
               <a:rPr lang="de-DE" sz="800" dirty="0"/>
-              <a:t>Digital Skills | Technologische Skills | Python 1</a:t>
-            </a:r>
+              <a:t>Digital Skills | Technologische Skills | </a:t>
+            </a:r>
+            <a:r>
+              <a:rPr lang="de-DE" sz="800" dirty="0" err="1"/>
+              <a:t>Flask</a:t>
+            </a:r>
+            <a:endParaRPr lang="de-DE" sz="800" dirty="0"/>
           </a:p>
         </p:txBody>
       </p:sp>
@@ -8142,8 +8149,8 @@
         </p:nvSpPr>
         <p:spPr>
           <a:xfrm>
-            <a:off x="9628915" y="6209234"/>
-            <a:ext cx="1845909" cy="461665"/>
+            <a:off x="8986839" y="6209234"/>
+            <a:ext cx="2487986" cy="461665"/>
           </a:xfrm>
           <a:prstGeom prst="rect">
             <a:avLst/>
@@ -8160,7 +8167,7 @@
               <a:rPr lang="de-DE" sz="1200" dirty="0">
                 <a:latin typeface="Lato Light" panose="020F0302020204030203" pitchFamily="34" charset="77"/>
               </a:rPr>
-              <a:t>oth_sport_6, oth_sport_7 </a:t>
+              <a:t>DEMO: oth_sport_6, oth_sport_7 </a:t>
             </a:r>
           </a:p>
           <a:p>
@@ -8184,7 +8191,7 @@
 </file>
 
 <file path=ppt/slides/slide23.xml><?xml version="1.0" encoding="utf-8"?>
-<p:sld xmlns:a="http://schemas.openxmlformats.org/drawingml/2006/main" xmlns:r="http://schemas.openxmlformats.org/officeDocument/2006/relationships" xmlns:p="http://schemas.openxmlformats.org/presentationml/2006/main">
+<p:sld xmlns:a="http://schemas.openxmlformats.org/drawingml/2006/main" xmlns:r="http://schemas.openxmlformats.org/officeDocument/2006/relationships" xmlns:p="http://schemas.openxmlformats.org/presentationml/2006/main" show="0">
   <p:cSld>
     <p:spTree>
       <p:nvGrpSpPr>
@@ -8562,7 +8569,7 @@
           <p:cNvPr id="2" name="Title 1">
             <a:extLst>
               <a:ext uri="{FF2B5EF4-FFF2-40B4-BE49-F238E27FC236}">
-                <a16:creationId xmlns:a16="http://schemas.microsoft.com/office/drawing/2014/main" id="{FDF23E76-F629-410B-FC8F-4C9140EFBC3B}"/>
+                <a16:creationId xmlns:a16="http://schemas.microsoft.com/office/drawing/2014/main" id="{F2FA60AD-E797-F9F1-D6E1-01D3FA887F29}"/>
               </a:ext>
             </a:extLst>
           </p:cNvPr>
@@ -8587,10 +8594,10 @@
       </p:sp>
       <p:sp>
         <p:nvSpPr>
-          <p:cNvPr id="4" name="Content Placeholder 2">
-            <a:extLst>
-              <a:ext uri="{FF2B5EF4-FFF2-40B4-BE49-F238E27FC236}">
-                <a16:creationId xmlns:a16="http://schemas.microsoft.com/office/drawing/2014/main" id="{4DD48CC0-2434-7D97-3A91-380BEA895240}"/>
+          <p:cNvPr id="3" name="Content Placeholder 2">
+            <a:extLst>
+              <a:ext uri="{FF2B5EF4-FFF2-40B4-BE49-F238E27FC236}">
+                <a16:creationId xmlns:a16="http://schemas.microsoft.com/office/drawing/2014/main" id="{823A9B1B-21EE-5709-EB94-4C0F35383561}"/>
               </a:ext>
             </a:extLst>
           </p:cNvPr>
@@ -8601,71 +8608,38 @@
             <p:ph idx="1"/>
           </p:nvPr>
         </p:nvSpPr>
-        <p:spPr>
-          <a:xfrm>
-            <a:off x="517747" y="2014332"/>
-            <a:ext cx="7751610" cy="3763618"/>
-          </a:xfrm>
-        </p:spPr>
-        <p:txBody>
-          <a:bodyPr>
-            <a:normAutofit/>
-          </a:bodyPr>
+        <p:spPr/>
+        <p:txBody>
+          <a:bodyPr/>
           <a:lstStyle/>
           <a:p>
-            <a:pPr marL="0" indent="0">
-              <a:buNone/>
-            </a:pPr>
-            <a:r>
-              <a:rPr lang="en-GB" dirty="0">
-                <a:latin typeface="Source Code Pro" panose="020B0309030403020204" pitchFamily="49" charset="0"/>
-                <a:ea typeface="Source Code Pro" panose="020B0309030403020204" pitchFamily="49" charset="0"/>
-              </a:rPr>
-              <a:t>GET / HTTP/1.1</a:t>
-            </a:r>
-          </a:p>
-          <a:p>
-            <a:pPr marL="0" indent="0">
-              <a:buNone/>
-            </a:pPr>
-            <a:r>
-              <a:rPr lang="en-GB" dirty="0">
-                <a:latin typeface="Source Code Pro" panose="020B0309030403020204" pitchFamily="49" charset="0"/>
-                <a:ea typeface="Source Code Pro" panose="020B0309030403020204" pitchFamily="49" charset="0"/>
-              </a:rPr>
-              <a:t>Host: </a:t>
-            </a:r>
-            <a:r>
-              <a:rPr lang="en-GB" dirty="0" err="1">
-                <a:latin typeface="Source Code Pro" panose="020B0309030403020204" pitchFamily="49" charset="0"/>
-                <a:ea typeface="Source Code Pro" panose="020B0309030403020204" pitchFamily="49" charset="0"/>
-              </a:rPr>
-              <a:t>gmail.com</a:t>
-            </a:r>
-            <a:endParaRPr lang="en-GB" dirty="0">
-              <a:latin typeface="Source Code Pro" panose="020B0309030403020204" pitchFamily="49" charset="0"/>
-              <a:ea typeface="Source Code Pro" panose="020B0309030403020204" pitchFamily="49" charset="0"/>
-            </a:endParaRPr>
-          </a:p>
-          <a:p>
-            <a:pPr marL="0" indent="0">
-              <a:buNone/>
-            </a:pPr>
-            <a:endParaRPr lang="en-GB" dirty="0">
-              <a:latin typeface="Source Code Pro" panose="020B0309030403020204" pitchFamily="49" charset="0"/>
-              <a:ea typeface="Source Code Pro" panose="020B0309030403020204" pitchFamily="49" charset="0"/>
-            </a:endParaRPr>
-          </a:p>
-          <a:p>
-            <a:pPr marL="0" indent="0">
-              <a:buNone/>
-            </a:pPr>
-            <a:r>
-              <a:rPr lang="en-GB" dirty="0">
-                <a:latin typeface="Source Code Pro" panose="020B0309030403020204" pitchFamily="49" charset="0"/>
-                <a:ea typeface="Source Code Pro" panose="020B0309030403020204" pitchFamily="49" charset="0"/>
-              </a:rPr>
-              <a:t>...</a:t>
+            <a:r>
+              <a:rPr lang="en-DE" dirty="0"/>
+              <a:t>HTTP ist </a:t>
+            </a:r>
+            <a:r>
+              <a:rPr lang="en-DE" i="1" dirty="0"/>
+              <a:t>stateless</a:t>
+            </a:r>
+          </a:p>
+          <a:p>
+            <a:r>
+              <a:rPr lang="en-DE" dirty="0"/>
+              <a:t>Webserver müssen sich Informationen über die Clients merken (z.B. Warenkorb, eingeloggt bleiben)</a:t>
+            </a:r>
+          </a:p>
+          <a:p>
+            <a:r>
+              <a:rPr lang="en-DE" dirty="0"/>
+              <a:t>Sessions ermöglichen es einem Webserver </a:t>
+            </a:r>
+            <a:r>
+              <a:rPr lang="en-DE" i="1" dirty="0"/>
+              <a:t>stateful</a:t>
+            </a:r>
+            <a:r>
+              <a:rPr lang="en-DE" dirty="0"/>
+              <a:t> zu sein</a:t>
             </a:r>
           </a:p>
         </p:txBody>
@@ -8673,7 +8647,7 @@
     </p:spTree>
     <p:extLst>
       <p:ext uri="{BB962C8B-B14F-4D97-AF65-F5344CB8AC3E}">
-        <p14:creationId xmlns:p14="http://schemas.microsoft.com/office/powerpoint/2010/main" val="2969362236"/>
+        <p14:creationId xmlns:p14="http://schemas.microsoft.com/office/powerpoint/2010/main" val="3630371599"/>
       </p:ext>
     </p:extLst>
   </p:cSld>
@@ -8764,7 +8738,7 @@
                 <a:latin typeface="Source Code Pro" panose="020B0309030403020204" pitchFamily="49" charset="0"/>
                 <a:ea typeface="Source Code Pro" panose="020B0309030403020204" pitchFamily="49" charset="0"/>
               </a:rPr>
-              <a:t>HTTP/1.1 200 OK</a:t>
+              <a:t>GET / HTTP/1.1</a:t>
             </a:r>
           </a:p>
           <a:p>
@@ -8776,8 +8750,19 @@
                 <a:latin typeface="Source Code Pro" panose="020B0309030403020204" pitchFamily="49" charset="0"/>
                 <a:ea typeface="Source Code Pro" panose="020B0309030403020204" pitchFamily="49" charset="0"/>
               </a:rPr>
-              <a:t>Content-Type: text/html</a:t>
-            </a:r>
+              <a:t>Host: </a:t>
+            </a:r>
+            <a:r>
+              <a:rPr lang="en-GB" dirty="0" err="1">
+                <a:latin typeface="Source Code Pro" panose="020B0309030403020204" pitchFamily="49" charset="0"/>
+                <a:ea typeface="Source Code Pro" panose="020B0309030403020204" pitchFamily="49" charset="0"/>
+              </a:rPr>
+              <a:t>gmail.com</a:t>
+            </a:r>
+            <a:endParaRPr lang="en-GB" dirty="0">
+              <a:latin typeface="Source Code Pro" panose="020B0309030403020204" pitchFamily="49" charset="0"/>
+              <a:ea typeface="Source Code Pro" panose="020B0309030403020204" pitchFamily="49" charset="0"/>
+            </a:endParaRPr>
           </a:p>
           <a:p>
             <a:pPr marL="0" indent="0">
@@ -8805,7 +8790,7 @@
     </p:spTree>
     <p:extLst>
       <p:ext uri="{BB962C8B-B14F-4D97-AF65-F5344CB8AC3E}">
-        <p14:creationId xmlns:p14="http://schemas.microsoft.com/office/powerpoint/2010/main" val="950581290"/>
+        <p14:creationId xmlns:p14="http://schemas.microsoft.com/office/powerpoint/2010/main" val="2969362236"/>
       </p:ext>
     </p:extLst>
   </p:cSld>
@@ -8915,13 +8900,10 @@
             <a:pPr marL="0" indent="0">
               <a:buNone/>
             </a:pPr>
-            <a:r>
-              <a:rPr lang="en-GB" dirty="0">
-                <a:latin typeface="Source Code Pro" panose="020B0309030403020204" pitchFamily="49" charset="0"/>
-                <a:ea typeface="Source Code Pro" panose="020B0309030403020204" pitchFamily="49" charset="0"/>
-              </a:rPr>
-              <a:t>Set-Cookie: session=value</a:t>
-            </a:r>
+            <a:endParaRPr lang="en-GB" dirty="0">
+              <a:latin typeface="Source Code Pro" panose="020B0309030403020204" pitchFamily="49" charset="0"/>
+              <a:ea typeface="Source Code Pro" panose="020B0309030403020204" pitchFamily="49" charset="0"/>
+            </a:endParaRPr>
           </a:p>
           <a:p>
             <a:pPr marL="0" indent="0">
@@ -8935,27 +8917,12 @@
               <a:t>...</a:t>
             </a:r>
           </a:p>
-          <a:p>
-            <a:pPr marL="0" indent="0">
-              <a:buNone/>
-            </a:pPr>
-            <a:br>
-              <a:rPr lang="en-GB" dirty="0">
-                <a:latin typeface="Source Code Pro" panose="020B0309030403020204" pitchFamily="49" charset="0"/>
-                <a:ea typeface="Source Code Pro" panose="020B0309030403020204" pitchFamily="49" charset="0"/>
-              </a:rPr>
-            </a:br>
-            <a:endParaRPr lang="en-GB" dirty="0">
-              <a:latin typeface="Source Code Pro" panose="020B0309030403020204" pitchFamily="49" charset="0"/>
-              <a:ea typeface="Source Code Pro" panose="020B0309030403020204" pitchFamily="49" charset="0"/>
-            </a:endParaRPr>
-          </a:p>
         </p:txBody>
       </p:sp>
     </p:spTree>
     <p:extLst>
       <p:ext uri="{BB962C8B-B14F-4D97-AF65-F5344CB8AC3E}">
-        <p14:creationId xmlns:p14="http://schemas.microsoft.com/office/powerpoint/2010/main" val="3393287744"/>
+        <p14:creationId xmlns:p14="http://schemas.microsoft.com/office/powerpoint/2010/main" val="950581290"/>
       </p:ext>
     </p:extLst>
   </p:cSld>
@@ -9046,7 +9013,7 @@
                 <a:latin typeface="Source Code Pro" panose="020B0309030403020204" pitchFamily="49" charset="0"/>
                 <a:ea typeface="Source Code Pro" panose="020B0309030403020204" pitchFamily="49" charset="0"/>
               </a:rPr>
-              <a:t>GET / HTTP/1.1</a:t>
+              <a:t>HTTP/1.1 200 OK</a:t>
             </a:r>
           </a:p>
           <a:p>
@@ -9058,30 +9025,25 @@
                 <a:latin typeface="Source Code Pro" panose="020B0309030403020204" pitchFamily="49" charset="0"/>
                 <a:ea typeface="Source Code Pro" panose="020B0309030403020204" pitchFamily="49" charset="0"/>
               </a:rPr>
-              <a:t>Host: </a:t>
-            </a:r>
-            <a:r>
-              <a:rPr lang="en-GB" dirty="0" err="1">
-                <a:latin typeface="Source Code Pro" panose="020B0309030403020204" pitchFamily="49" charset="0"/>
-                <a:ea typeface="Source Code Pro" panose="020B0309030403020204" pitchFamily="49" charset="0"/>
-              </a:rPr>
-              <a:t>gmail.com</a:t>
-            </a:r>
-            <a:endParaRPr lang="en-GB" dirty="0">
-              <a:latin typeface="Source Code Pro" panose="020B0309030403020204" pitchFamily="49" charset="0"/>
-              <a:ea typeface="Source Code Pro" panose="020B0309030403020204" pitchFamily="49" charset="0"/>
-            </a:endParaRPr>
+              <a:t>Content-Type: text/html</a:t>
+            </a:r>
           </a:p>
           <a:p>
             <a:pPr marL="0" indent="0">
               <a:buNone/>
             </a:pPr>
-            <a:br>
+            <a:r>
               <a:rPr lang="en-GB" dirty="0">
                 <a:latin typeface="Source Code Pro" panose="020B0309030403020204" pitchFamily="49" charset="0"/>
                 <a:ea typeface="Source Code Pro" panose="020B0309030403020204" pitchFamily="49" charset="0"/>
               </a:rPr>
-            </a:br>
+              <a:t>Set-Cookie: session=value</a:t>
+            </a:r>
+          </a:p>
+          <a:p>
+            <a:pPr marL="0" indent="0">
+              <a:buNone/>
+            </a:pPr>
             <a:r>
               <a:rPr lang="en-GB" dirty="0">
                 <a:latin typeface="Source Code Pro" panose="020B0309030403020204" pitchFamily="49" charset="0"/>
@@ -9110,7 +9072,7 @@
     </p:spTree>
     <p:extLst>
       <p:ext uri="{BB962C8B-B14F-4D97-AF65-F5344CB8AC3E}">
-        <p14:creationId xmlns:p14="http://schemas.microsoft.com/office/powerpoint/2010/main" val="1225203018"/>
+        <p14:creationId xmlns:p14="http://schemas.microsoft.com/office/powerpoint/2010/main" val="3393287744"/>
       </p:ext>
     </p:extLst>
   </p:cSld>
@@ -9231,18 +9193,12 @@
             <a:pPr marL="0" indent="0">
               <a:buNone/>
             </a:pPr>
-            <a:r>
+            <a:br>
               <a:rPr lang="en-GB" dirty="0">
                 <a:latin typeface="Source Code Pro" panose="020B0309030403020204" pitchFamily="49" charset="0"/>
                 <a:ea typeface="Source Code Pro" panose="020B0309030403020204" pitchFamily="49" charset="0"/>
               </a:rPr>
-              <a:t>Cookie: session=value</a:t>
-            </a:r>
-          </a:p>
-          <a:p>
-            <a:pPr marL="0" indent="0">
-              <a:buNone/>
-            </a:pPr>
+            </a:br>
             <a:r>
               <a:rPr lang="en-GB" dirty="0">
                 <a:latin typeface="Source Code Pro" panose="020B0309030403020204" pitchFamily="49" charset="0"/>
@@ -9268,97 +9224,10 @@
           </a:p>
         </p:txBody>
       </p:sp>
-      <p:pic>
-        <p:nvPicPr>
-          <p:cNvPr id="3" name="Picture 2" descr="Replit - Wikipedia">
-            <a:extLst>
-              <a:ext uri="{FF2B5EF4-FFF2-40B4-BE49-F238E27FC236}">
-                <a16:creationId xmlns:a16="http://schemas.microsoft.com/office/drawing/2014/main" id="{73F8EAFE-3516-7FB2-CF82-58795EDABB66}"/>
-              </a:ext>
-            </a:extLst>
-          </p:cNvPr>
-          <p:cNvPicPr>
-            <a:picLocks noChangeAspect="1" noChangeArrowheads="1"/>
-          </p:cNvPicPr>
-          <p:nvPr/>
-        </p:nvPicPr>
-        <p:blipFill>
-          <a:blip r:embed="rId2">
-            <a:extLst>
-              <a:ext uri="{28A0092B-C50C-407E-A947-70E740481C1C}">
-                <a14:useLocalDpi xmlns:a14="http://schemas.microsoft.com/office/drawing/2010/main" val="0"/>
-              </a:ext>
-            </a:extLst>
-          </a:blip>
-          <a:srcRect/>
-          <a:stretch>
-            <a:fillRect/>
-          </a:stretch>
-        </p:blipFill>
-        <p:spPr bwMode="auto">
-          <a:xfrm>
-            <a:off x="11474824" y="6185647"/>
-            <a:ext cx="312644" cy="312644"/>
-          </a:xfrm>
-          <a:prstGeom prst="rect">
-            <a:avLst/>
-          </a:prstGeom>
-          <a:noFill/>
-          <a:extLst>
-            <a:ext uri="{909E8E84-426E-40DD-AFC4-6F175D3DCCD1}">
-              <a14:hiddenFill xmlns:a14="http://schemas.microsoft.com/office/drawing/2010/main">
-                <a:solidFill>
-                  <a:srgbClr val="FFFFFF"/>
-                </a:solidFill>
-              </a14:hiddenFill>
-            </a:ext>
-          </a:extLst>
-        </p:spPr>
-      </p:pic>
-      <p:sp>
-        <p:nvSpPr>
-          <p:cNvPr id="5" name="TextBox 4">
-            <a:extLst>
-              <a:ext uri="{FF2B5EF4-FFF2-40B4-BE49-F238E27FC236}">
-                <a16:creationId xmlns:a16="http://schemas.microsoft.com/office/drawing/2014/main" id="{7A135D8D-3632-A257-6A81-96262B89CE9A}"/>
-              </a:ext>
-            </a:extLst>
-          </p:cNvPr>
-          <p:cNvSpPr txBox="1"/>
-          <p:nvPr/>
-        </p:nvSpPr>
-        <p:spPr>
-          <a:xfrm>
-            <a:off x="10917397" y="6209234"/>
-            <a:ext cx="557428" cy="276999"/>
-          </a:xfrm>
-          <a:prstGeom prst="rect">
-            <a:avLst/>
-          </a:prstGeom>
-          <a:noFill/>
-        </p:spPr>
-        <p:txBody>
-          <a:bodyPr wrap="square" rtlCol="0">
-            <a:spAutoFit/>
-          </a:bodyPr>
-          <a:lstStyle/>
-          <a:p>
-            <a:r>
-              <a:rPr lang="de-DE" sz="1200" dirty="0" err="1">
-                <a:latin typeface="Lato Light" panose="020F0302020204030203" pitchFamily="34" charset="77"/>
-              </a:rPr>
-              <a:t>login</a:t>
-            </a:r>
-            <a:endParaRPr lang="de-DE" sz="1200" dirty="0">
-              <a:latin typeface="Lato Light" panose="020F0302020204030203" pitchFamily="34" charset="77"/>
-            </a:endParaRPr>
-          </a:p>
-        </p:txBody>
-      </p:sp>
     </p:spTree>
     <p:extLst>
       <p:ext uri="{BB962C8B-B14F-4D97-AF65-F5344CB8AC3E}">
-        <p14:creationId xmlns:p14="http://schemas.microsoft.com/office/powerpoint/2010/main" val="3242843685"/>
+        <p14:creationId xmlns:p14="http://schemas.microsoft.com/office/powerpoint/2010/main" val="1225203018"/>
       </p:ext>
     </p:extLst>
   </p:cSld>
@@ -9408,8 +9277,111 @@
           <a:p>
             <a:r>
               <a:rPr lang="en-DE" dirty="0"/>
-              <a:t>Shopping</a:t>
-            </a:r>
+              <a:t>Sessions</a:t>
+            </a:r>
+          </a:p>
+        </p:txBody>
+      </p:sp>
+      <p:sp>
+        <p:nvSpPr>
+          <p:cNvPr id="4" name="Content Placeholder 2">
+            <a:extLst>
+              <a:ext uri="{FF2B5EF4-FFF2-40B4-BE49-F238E27FC236}">
+                <a16:creationId xmlns:a16="http://schemas.microsoft.com/office/drawing/2014/main" id="{4DD48CC0-2434-7D97-3A91-380BEA895240}"/>
+              </a:ext>
+            </a:extLst>
+          </p:cNvPr>
+          <p:cNvSpPr>
+            <a:spLocks noGrp="1"/>
+          </p:cNvSpPr>
+          <p:nvPr>
+            <p:ph idx="1"/>
+          </p:nvPr>
+        </p:nvSpPr>
+        <p:spPr>
+          <a:xfrm>
+            <a:off x="517747" y="2014332"/>
+            <a:ext cx="7751610" cy="3763618"/>
+          </a:xfrm>
+        </p:spPr>
+        <p:txBody>
+          <a:bodyPr>
+            <a:normAutofit/>
+          </a:bodyPr>
+          <a:lstStyle/>
+          <a:p>
+            <a:pPr marL="0" indent="0">
+              <a:buNone/>
+            </a:pPr>
+            <a:r>
+              <a:rPr lang="en-GB" dirty="0">
+                <a:latin typeface="Source Code Pro" panose="020B0309030403020204" pitchFamily="49" charset="0"/>
+                <a:ea typeface="Source Code Pro" panose="020B0309030403020204" pitchFamily="49" charset="0"/>
+              </a:rPr>
+              <a:t>GET / HTTP/1.1</a:t>
+            </a:r>
+          </a:p>
+          <a:p>
+            <a:pPr marL="0" indent="0">
+              <a:buNone/>
+            </a:pPr>
+            <a:r>
+              <a:rPr lang="en-GB" dirty="0">
+                <a:latin typeface="Source Code Pro" panose="020B0309030403020204" pitchFamily="49" charset="0"/>
+                <a:ea typeface="Source Code Pro" panose="020B0309030403020204" pitchFamily="49" charset="0"/>
+              </a:rPr>
+              <a:t>Host: </a:t>
+            </a:r>
+            <a:r>
+              <a:rPr lang="en-GB" dirty="0" err="1">
+                <a:latin typeface="Source Code Pro" panose="020B0309030403020204" pitchFamily="49" charset="0"/>
+                <a:ea typeface="Source Code Pro" panose="020B0309030403020204" pitchFamily="49" charset="0"/>
+              </a:rPr>
+              <a:t>gmail.com</a:t>
+            </a:r>
+            <a:endParaRPr lang="en-GB" dirty="0">
+              <a:latin typeface="Source Code Pro" panose="020B0309030403020204" pitchFamily="49" charset="0"/>
+              <a:ea typeface="Source Code Pro" panose="020B0309030403020204" pitchFamily="49" charset="0"/>
+            </a:endParaRPr>
+          </a:p>
+          <a:p>
+            <a:pPr marL="0" indent="0">
+              <a:buNone/>
+            </a:pPr>
+            <a:r>
+              <a:rPr lang="en-GB" dirty="0">
+                <a:latin typeface="Source Code Pro" panose="020B0309030403020204" pitchFamily="49" charset="0"/>
+                <a:ea typeface="Source Code Pro" panose="020B0309030403020204" pitchFamily="49" charset="0"/>
+              </a:rPr>
+              <a:t>Cookie: session=value</a:t>
+            </a:r>
+          </a:p>
+          <a:p>
+            <a:pPr marL="0" indent="0">
+              <a:buNone/>
+            </a:pPr>
+            <a:r>
+              <a:rPr lang="en-GB" dirty="0">
+                <a:latin typeface="Source Code Pro" panose="020B0309030403020204" pitchFamily="49" charset="0"/>
+                <a:ea typeface="Source Code Pro" panose="020B0309030403020204" pitchFamily="49" charset="0"/>
+              </a:rPr>
+              <a:t>...</a:t>
+            </a:r>
+          </a:p>
+          <a:p>
+            <a:pPr marL="0" indent="0">
+              <a:buNone/>
+            </a:pPr>
+            <a:br>
+              <a:rPr lang="en-GB" dirty="0">
+                <a:latin typeface="Source Code Pro" panose="020B0309030403020204" pitchFamily="49" charset="0"/>
+                <a:ea typeface="Source Code Pro" panose="020B0309030403020204" pitchFamily="49" charset="0"/>
+              </a:rPr>
+            </a:br>
+            <a:endParaRPr lang="en-GB" dirty="0">
+              <a:latin typeface="Source Code Pro" panose="020B0309030403020204" pitchFamily="49" charset="0"/>
+              <a:ea typeface="Source Code Pro" panose="020B0309030403020204" pitchFamily="49" charset="0"/>
+            </a:endParaRPr>
           </a:p>
         </p:txBody>
       </p:sp>
@@ -9474,8 +9446,8 @@
         </p:nvSpPr>
         <p:spPr>
           <a:xfrm>
-            <a:off x="10444163" y="6209234"/>
-            <a:ext cx="1030662" cy="276999"/>
+            <a:off x="10917397" y="6209234"/>
+            <a:ext cx="557428" cy="276999"/>
           </a:xfrm>
           <a:prstGeom prst="rect">
             <a:avLst/>
@@ -9492,7 +9464,7 @@
               <a:rPr lang="de-DE" sz="1200" dirty="0" err="1">
                 <a:latin typeface="Lato Light" panose="020F0302020204030203" pitchFamily="34" charset="77"/>
               </a:rPr>
-              <a:t>onlineshop</a:t>
+              <a:t>login</a:t>
             </a:r>
             <a:endParaRPr lang="de-DE" sz="1200" dirty="0">
               <a:latin typeface="Lato Light" panose="020F0302020204030203" pitchFamily="34" charset="77"/>
@@ -9500,38 +9472,10 @@
           </a:p>
         </p:txBody>
       </p:sp>
-      <p:sp>
-        <p:nvSpPr>
-          <p:cNvPr id="7" name="Content Placeholder 6">
-            <a:extLst>
-              <a:ext uri="{FF2B5EF4-FFF2-40B4-BE49-F238E27FC236}">
-                <a16:creationId xmlns:a16="http://schemas.microsoft.com/office/drawing/2014/main" id="{340ED55C-D209-FFE9-11E8-4F18AAB384A4}"/>
-              </a:ext>
-            </a:extLst>
-          </p:cNvPr>
-          <p:cNvSpPr>
-            <a:spLocks noGrp="1"/>
-          </p:cNvSpPr>
-          <p:nvPr>
-            <p:ph idx="1"/>
-          </p:nvPr>
-        </p:nvSpPr>
-        <p:spPr/>
-        <p:txBody>
-          <a:bodyPr/>
-          <a:lstStyle/>
-          <a:p>
-            <a:r>
-              <a:rPr lang="en-DE" dirty="0"/>
-              <a:t>Einkaufswagen für einen Online-Shop für Bücher</a:t>
-            </a:r>
-          </a:p>
-        </p:txBody>
-      </p:sp>
     </p:spTree>
     <p:extLst>
       <p:ext uri="{BB962C8B-B14F-4D97-AF65-F5344CB8AC3E}">
-        <p14:creationId xmlns:p14="http://schemas.microsoft.com/office/powerpoint/2010/main" val="2696159705"/>
+        <p14:creationId xmlns:p14="http://schemas.microsoft.com/office/powerpoint/2010/main" val="3242843685"/>
       </p:ext>
     </p:extLst>
   </p:cSld>
@@ -9658,12 +9602,167 @@
           </a:p>
         </p:txBody>
       </p:sp>
+      <p:sp>
+        <p:nvSpPr>
+          <p:cNvPr id="2" name="Rectangle 1">
+            <a:extLst>
+              <a:ext uri="{FF2B5EF4-FFF2-40B4-BE49-F238E27FC236}">
+                <a16:creationId xmlns:a16="http://schemas.microsoft.com/office/drawing/2014/main" id="{79A8BA2A-AEEB-ECBD-9A19-F9C209B6ABE5}"/>
+              </a:ext>
+            </a:extLst>
+          </p:cNvPr>
+          <p:cNvSpPr/>
+          <p:nvPr/>
+        </p:nvSpPr>
+        <p:spPr>
+          <a:xfrm>
+            <a:off x="517748" y="2706197"/>
+            <a:ext cx="5305586" cy="400110"/>
+          </a:xfrm>
+          <a:prstGeom prst="rect">
+            <a:avLst/>
+          </a:prstGeom>
+        </p:spPr>
+        <p:txBody>
+          <a:bodyPr wrap="square">
+            <a:spAutoFit/>
+          </a:bodyPr>
+          <a:lstStyle/>
+          <a:p>
+            <a:pPr lvl="0" defTabSz="457200">
+              <a:spcBef>
+                <a:spcPct val="20000"/>
+              </a:spcBef>
+            </a:pPr>
+            <a:r>
+              <a:rPr lang="de-DE" sz="2000" dirty="0" err="1">
+                <a:solidFill>
+                  <a:prstClr val="black"/>
+                </a:solidFill>
+                <a:latin typeface="Lato Light" panose="020F0302020204030203" pitchFamily="34" charset="77"/>
+              </a:rPr>
+              <a:t>Replit</a:t>
+            </a:r>
+            <a:r>
+              <a:rPr lang="de-DE" sz="2000" dirty="0">
+                <a:solidFill>
+                  <a:prstClr val="black"/>
+                </a:solidFill>
+                <a:latin typeface="Lato Light" panose="020F0302020204030203" pitchFamily="34" charset="77"/>
+              </a:rPr>
+              <a:t> als statischer Webserver…</a:t>
+            </a:r>
+          </a:p>
+        </p:txBody>
+      </p:sp>
+      <p:sp>
+        <p:nvSpPr>
+          <p:cNvPr id="3" name="Rectangle 2">
+            <a:extLst>
+              <a:ext uri="{FF2B5EF4-FFF2-40B4-BE49-F238E27FC236}">
+                <a16:creationId xmlns:a16="http://schemas.microsoft.com/office/drawing/2014/main" id="{23DFEE96-F0BF-B6CD-488F-C7B76C55CA48}"/>
+              </a:ext>
+            </a:extLst>
+          </p:cNvPr>
+          <p:cNvSpPr/>
+          <p:nvPr/>
+        </p:nvSpPr>
+        <p:spPr>
+          <a:xfrm>
+            <a:off x="517748" y="3551639"/>
+            <a:ext cx="5305586" cy="1015663"/>
+          </a:xfrm>
+          <a:prstGeom prst="rect">
+            <a:avLst/>
+          </a:prstGeom>
+        </p:spPr>
+        <p:txBody>
+          <a:bodyPr wrap="square">
+            <a:spAutoFit/>
+          </a:bodyPr>
+          <a:lstStyle/>
+          <a:p>
+            <a:pPr lvl="0" defTabSz="457200">
+              <a:spcBef>
+                <a:spcPct val="20000"/>
+              </a:spcBef>
+            </a:pPr>
+            <a:r>
+              <a:rPr lang="de-DE" sz="2000" dirty="0">
+                <a:solidFill>
+                  <a:prstClr val="black"/>
+                </a:solidFill>
+                <a:latin typeface="Lato Light" panose="020F0302020204030203" pitchFamily="34" charset="77"/>
+              </a:rPr>
+              <a:t>… kann keine Formulardaten verarbeiten und somit nicht dynamisch auf Eingaben reagieren…</a:t>
+            </a:r>
+          </a:p>
+        </p:txBody>
+      </p:sp>
+    </p:spTree>
+    <p:extLst>
+      <p:ext uri="{BB962C8B-B14F-4D97-AF65-F5344CB8AC3E}">
+        <p14:creationId xmlns:p14="http://schemas.microsoft.com/office/powerpoint/2010/main" val="2325757405"/>
+      </p:ext>
+    </p:extLst>
+  </p:cSld>
+  <p:clrMapOvr>
+    <a:masterClrMapping/>
+  </p:clrMapOvr>
+</p:sld>
+</file>
+
+<file path=ppt/slides/slide30.xml><?xml version="1.0" encoding="utf-8"?>
+<p:sld xmlns:a="http://schemas.openxmlformats.org/drawingml/2006/main" xmlns:r="http://schemas.openxmlformats.org/officeDocument/2006/relationships" xmlns:p="http://schemas.openxmlformats.org/presentationml/2006/main">
+  <p:cSld>
+    <p:spTree>
+      <p:nvGrpSpPr>
+        <p:cNvPr id="1" name=""/>
+        <p:cNvGrpSpPr/>
+        <p:nvPr/>
+      </p:nvGrpSpPr>
+      <p:grpSpPr>
+        <a:xfrm>
+          <a:off x="0" y="0"/>
+          <a:ext cx="0" cy="0"/>
+          <a:chOff x="0" y="0"/>
+          <a:chExt cx="0" cy="0"/>
+        </a:xfrm>
+      </p:grpSpPr>
+      <p:sp>
+        <p:nvSpPr>
+          <p:cNvPr id="2" name="Title 1">
+            <a:extLst>
+              <a:ext uri="{FF2B5EF4-FFF2-40B4-BE49-F238E27FC236}">
+                <a16:creationId xmlns:a16="http://schemas.microsoft.com/office/drawing/2014/main" id="{FDF23E76-F629-410B-FC8F-4C9140EFBC3B}"/>
+              </a:ext>
+            </a:extLst>
+          </p:cNvPr>
+          <p:cNvSpPr>
+            <a:spLocks noGrp="1"/>
+          </p:cNvSpPr>
+          <p:nvPr>
+            <p:ph type="title"/>
+          </p:nvPr>
+        </p:nvSpPr>
+        <p:spPr/>
+        <p:txBody>
+          <a:bodyPr/>
+          <a:lstStyle/>
+          <a:p>
+            <a:r>
+              <a:rPr lang="en-DE" dirty="0"/>
+              <a:t>Shopping</a:t>
+            </a:r>
+          </a:p>
+        </p:txBody>
+      </p:sp>
       <p:pic>
         <p:nvPicPr>
-          <p:cNvPr id="12" name="Picture 4" descr="Replit - Wikipedia">
-            <a:extLst>
-              <a:ext uri="{FF2B5EF4-FFF2-40B4-BE49-F238E27FC236}">
-                <a16:creationId xmlns:a16="http://schemas.microsoft.com/office/drawing/2014/main" id="{660E76F8-231D-D291-E517-D689B86D05BB}"/>
+          <p:cNvPr id="3" name="Picture 2" descr="Replit - Wikipedia">
+            <a:extLst>
+              <a:ext uri="{FF2B5EF4-FFF2-40B4-BE49-F238E27FC236}">
+                <a16:creationId xmlns:a16="http://schemas.microsoft.com/office/drawing/2014/main" id="{73F8EAFE-3516-7FB2-CF82-58795EDABB66}"/>
               </a:ext>
             </a:extLst>
           </p:cNvPr>
@@ -9673,7 +9772,7 @@
           <p:nvPr/>
         </p:nvPicPr>
         <p:blipFill>
-          <a:blip r:embed="rId6">
+          <a:blip r:embed="rId2">
             <a:extLst>
               <a:ext uri="{28A0092B-C50C-407E-A947-70E740481C1C}">
                 <a14:useLocalDpi xmlns:a14="http://schemas.microsoft.com/office/drawing/2010/main" val="0"/>
@@ -9707,10 +9806,10 @@
       </p:pic>
       <p:sp>
         <p:nvSpPr>
-          <p:cNvPr id="14" name="TextBox 13">
-            <a:extLst>
-              <a:ext uri="{FF2B5EF4-FFF2-40B4-BE49-F238E27FC236}">
-                <a16:creationId xmlns:a16="http://schemas.microsoft.com/office/drawing/2014/main" id="{BAFCF934-50BF-B41E-0CE0-46EBA98291F6}"/>
+          <p:cNvPr id="5" name="TextBox 4">
+            <a:extLst>
+              <a:ext uri="{FF2B5EF4-FFF2-40B4-BE49-F238E27FC236}">
+                <a16:creationId xmlns:a16="http://schemas.microsoft.com/office/drawing/2014/main" id="{7A135D8D-3632-A257-6A81-96262B89CE9A}"/>
               </a:ext>
             </a:extLst>
           </p:cNvPr>
@@ -9719,8 +9818,8 @@
         </p:nvSpPr>
         <p:spPr>
           <a:xfrm>
-            <a:off x="9217935" y="6209234"/>
-            <a:ext cx="2345514" cy="276999"/>
+            <a:off x="10444163" y="6209234"/>
+            <a:ext cx="1030662" cy="276999"/>
           </a:xfrm>
           <a:prstGeom prst="rect">
             <a:avLst/>
@@ -9728,122 +9827,236 @@
           <a:noFill/>
         </p:spPr>
         <p:txBody>
-          <a:bodyPr wrap="none" rtlCol="0">
+          <a:bodyPr wrap="square" rtlCol="0">
             <a:spAutoFit/>
           </a:bodyPr>
           <a:lstStyle/>
           <a:p>
             <a:r>
+              <a:rPr lang="de-DE" sz="1200" dirty="0" err="1">
+                <a:latin typeface="Lato Light" panose="020F0302020204030203" pitchFamily="34" charset="77"/>
+              </a:rPr>
+              <a:t>onlineshop</a:t>
+            </a:r>
+            <a:endParaRPr lang="de-DE" sz="1200" dirty="0">
+              <a:latin typeface="Lato Light" panose="020F0302020204030203" pitchFamily="34" charset="77"/>
+            </a:endParaRPr>
+          </a:p>
+        </p:txBody>
+      </p:sp>
+      <p:sp>
+        <p:nvSpPr>
+          <p:cNvPr id="7" name="Content Placeholder 6">
+            <a:extLst>
+              <a:ext uri="{FF2B5EF4-FFF2-40B4-BE49-F238E27FC236}">
+                <a16:creationId xmlns:a16="http://schemas.microsoft.com/office/drawing/2014/main" id="{340ED55C-D209-FFE9-11E8-4F18AAB384A4}"/>
+              </a:ext>
+            </a:extLst>
+          </p:cNvPr>
+          <p:cNvSpPr>
+            <a:spLocks noGrp="1"/>
+          </p:cNvSpPr>
+          <p:nvPr>
+            <p:ph idx="1"/>
+          </p:nvPr>
+        </p:nvSpPr>
+        <p:spPr/>
+        <p:txBody>
+          <a:bodyPr/>
+          <a:lstStyle/>
+          <a:p>
+            <a:r>
+              <a:rPr lang="en-DE" dirty="0"/>
+              <a:t>Einkaufswagen für einen Online-Shop für Bücher</a:t>
+            </a:r>
+          </a:p>
+        </p:txBody>
+      </p:sp>
+    </p:spTree>
+    <p:extLst>
+      <p:ext uri="{BB962C8B-B14F-4D97-AF65-F5344CB8AC3E}">
+        <p14:creationId xmlns:p14="http://schemas.microsoft.com/office/powerpoint/2010/main" val="2696159705"/>
+      </p:ext>
+    </p:extLst>
+  </p:cSld>
+  <p:clrMapOvr>
+    <a:masterClrMapping/>
+  </p:clrMapOvr>
+</p:sld>
+</file>
+
+<file path=ppt/slides/slide31.xml><?xml version="1.0" encoding="utf-8"?>
+<p:sld xmlns:a="http://schemas.openxmlformats.org/drawingml/2006/main" xmlns:r="http://schemas.openxmlformats.org/officeDocument/2006/relationships" xmlns:p="http://schemas.openxmlformats.org/presentationml/2006/main">
+  <p:cSld>
+    <p:spTree>
+      <p:nvGrpSpPr>
+        <p:cNvPr id="1" name=""/>
+        <p:cNvGrpSpPr/>
+        <p:nvPr/>
+      </p:nvGrpSpPr>
+      <p:grpSpPr>
+        <a:xfrm>
+          <a:off x="0" y="0"/>
+          <a:ext cx="0" cy="0"/>
+          <a:chOff x="0" y="0"/>
+          <a:chExt cx="0" cy="0"/>
+        </a:xfrm>
+      </p:grpSpPr>
+      <p:sp>
+        <p:nvSpPr>
+          <p:cNvPr id="2" name="Title 1">
+            <a:extLst>
+              <a:ext uri="{FF2B5EF4-FFF2-40B4-BE49-F238E27FC236}">
+                <a16:creationId xmlns:a16="http://schemas.microsoft.com/office/drawing/2014/main" id="{596BBC64-4BF0-C415-D8DB-FE674B55909E}"/>
+              </a:ext>
+            </a:extLst>
+          </p:cNvPr>
+          <p:cNvSpPr>
+            <a:spLocks noGrp="1"/>
+          </p:cNvSpPr>
+          <p:nvPr>
+            <p:ph type="title"/>
+          </p:nvPr>
+        </p:nvSpPr>
+        <p:spPr/>
+        <p:txBody>
+          <a:bodyPr anchor="t"/>
+          <a:lstStyle/>
+          <a:p>
+            <a:r>
+              <a:rPr lang="en-DE" sz="3600" dirty="0"/>
+              <a:t>Ausblick: Client- und serverseitiger Code im Zusammenspiel</a:t>
+            </a:r>
+          </a:p>
+        </p:txBody>
+      </p:sp>
+      <p:sp>
+        <p:nvSpPr>
+          <p:cNvPr id="3" name="Content Placeholder 2">
+            <a:extLst>
+              <a:ext uri="{FF2B5EF4-FFF2-40B4-BE49-F238E27FC236}">
+                <a16:creationId xmlns:a16="http://schemas.microsoft.com/office/drawing/2014/main" id="{6429435A-4D85-5489-8A5C-A030319FCE7C}"/>
+              </a:ext>
+            </a:extLst>
+          </p:cNvPr>
+          <p:cNvSpPr>
+            <a:spLocks noGrp="1"/>
+          </p:cNvSpPr>
+          <p:nvPr>
+            <p:ph idx="1"/>
+          </p:nvPr>
+        </p:nvSpPr>
+        <p:spPr>
+          <a:xfrm>
+            <a:off x="517748" y="2128838"/>
+            <a:ext cx="5578252" cy="3333684"/>
+          </a:xfrm>
+        </p:spPr>
+        <p:txBody>
+          <a:bodyPr/>
+          <a:lstStyle/>
+          <a:p>
+            <a:r>
+              <a:rPr lang="en-DE" dirty="0"/>
+              <a:t>Bis jetzt: Jede Anfrage an den Webserver immer durch Neuladen der Seite</a:t>
+            </a:r>
+          </a:p>
+          <a:p>
+            <a:r>
+              <a:rPr lang="en-DE" dirty="0"/>
+              <a:t>Interaktive Anwendungen tauschen Informationen “</a:t>
+            </a:r>
+            <a:r>
+              <a:rPr lang="en-DE"/>
+              <a:t>im Hintergrund</a:t>
+            </a:r>
+            <a:r>
+              <a:rPr lang="en-DE" dirty="0"/>
+              <a:t>” aus, ohne, dass ein Neuladen der Seite von den Nutzern bemerkt wird</a:t>
+            </a:r>
+          </a:p>
+        </p:txBody>
+      </p:sp>
+      <p:pic>
+        <p:nvPicPr>
+          <p:cNvPr id="4" name="Picture 3" descr="Replit - Wikipedia">
+            <a:extLst>
+              <a:ext uri="{FF2B5EF4-FFF2-40B4-BE49-F238E27FC236}">
+                <a16:creationId xmlns:a16="http://schemas.microsoft.com/office/drawing/2014/main" id="{DB17E875-4A62-1576-0208-FF4FD4C22BAC}"/>
+              </a:ext>
+            </a:extLst>
+          </p:cNvPr>
+          <p:cNvPicPr>
+            <a:picLocks noChangeAspect="1" noChangeArrowheads="1"/>
+          </p:cNvPicPr>
+          <p:nvPr/>
+        </p:nvPicPr>
+        <p:blipFill>
+          <a:blip r:embed="rId2">
+            <a:extLst>
+              <a:ext uri="{28A0092B-C50C-407E-A947-70E740481C1C}">
+                <a14:useLocalDpi xmlns:a14="http://schemas.microsoft.com/office/drawing/2010/main" val="0"/>
+              </a:ext>
+            </a:extLst>
+          </a:blip>
+          <a:srcRect/>
+          <a:stretch>
+            <a:fillRect/>
+          </a:stretch>
+        </p:blipFill>
+        <p:spPr bwMode="auto">
+          <a:xfrm>
+            <a:off x="11474824" y="6185647"/>
+            <a:ext cx="312644" cy="312644"/>
+          </a:xfrm>
+          <a:prstGeom prst="rect">
+            <a:avLst/>
+          </a:prstGeom>
+          <a:noFill/>
+          <a:extLst>
+            <a:ext uri="{909E8E84-426E-40DD-AFC4-6F175D3DCCD1}">
+              <a14:hiddenFill xmlns:a14="http://schemas.microsoft.com/office/drawing/2010/main">
+                <a:solidFill>
+                  <a:srgbClr val="FFFFFF"/>
+                </a:solidFill>
+              </a14:hiddenFill>
+            </a:ext>
+          </a:extLst>
+        </p:spPr>
+      </p:pic>
+      <p:sp>
+        <p:nvSpPr>
+          <p:cNvPr id="5" name="TextBox 4">
+            <a:extLst>
+              <a:ext uri="{FF2B5EF4-FFF2-40B4-BE49-F238E27FC236}">
+                <a16:creationId xmlns:a16="http://schemas.microsoft.com/office/drawing/2014/main" id="{D2C02BEB-CB57-A566-79E0-AB93C93C07C4}"/>
+              </a:ext>
+            </a:extLst>
+          </p:cNvPr>
+          <p:cNvSpPr txBox="1"/>
+          <p:nvPr/>
+        </p:nvSpPr>
+        <p:spPr>
+          <a:xfrm>
+            <a:off x="9415463" y="6209234"/>
+            <a:ext cx="2145087" cy="276999"/>
+          </a:xfrm>
+          <a:prstGeom prst="rect">
+            <a:avLst/>
+          </a:prstGeom>
+          <a:noFill/>
+        </p:spPr>
+        <p:txBody>
+          <a:bodyPr wrap="square" rtlCol="0">
+            <a:spAutoFit/>
+          </a:bodyPr>
+          <a:lstStyle/>
+          <a:p>
+            <a:r>
               <a:rPr lang="de-DE" sz="1200" dirty="0">
                 <a:latin typeface="Lato Light" panose="020F0302020204030203" pitchFamily="34" charset="77"/>
               </a:rPr>
-              <a:t>Demo calculator1.py, </a:t>
-            </a:r>
-            <a:r>
-              <a:rPr lang="de-DE" sz="1200" dirty="0" err="1">
-                <a:latin typeface="Lato Light" panose="020F0302020204030203" pitchFamily="34" charset="77"/>
-              </a:rPr>
-              <a:t>positive.py</a:t>
-            </a:r>
-            <a:endParaRPr lang="de-DE" sz="1200" dirty="0">
-              <a:latin typeface="Lato Light" panose="020F0302020204030203" pitchFamily="34" charset="77"/>
-            </a:endParaRPr>
-          </a:p>
-        </p:txBody>
-      </p:sp>
-      <p:sp>
-        <p:nvSpPr>
-          <p:cNvPr id="2" name="Rectangle 1">
-            <a:extLst>
-              <a:ext uri="{FF2B5EF4-FFF2-40B4-BE49-F238E27FC236}">
-                <a16:creationId xmlns:a16="http://schemas.microsoft.com/office/drawing/2014/main" id="{79A8BA2A-AEEB-ECBD-9A19-F9C209B6ABE5}"/>
-              </a:ext>
-            </a:extLst>
-          </p:cNvPr>
-          <p:cNvSpPr/>
-          <p:nvPr/>
-        </p:nvSpPr>
-        <p:spPr>
-          <a:xfrm>
-            <a:off x="517748" y="2706197"/>
-            <a:ext cx="5305586" cy="400110"/>
-          </a:xfrm>
-          <a:prstGeom prst="rect">
-            <a:avLst/>
-          </a:prstGeom>
-        </p:spPr>
-        <p:txBody>
-          <a:bodyPr wrap="square">
-            <a:spAutoFit/>
-          </a:bodyPr>
-          <a:lstStyle/>
-          <a:p>
-            <a:pPr lvl="0" defTabSz="457200">
-              <a:spcBef>
-                <a:spcPct val="20000"/>
-              </a:spcBef>
-            </a:pPr>
-            <a:r>
-              <a:rPr lang="de-DE" sz="2000" dirty="0" err="1">
-                <a:solidFill>
-                  <a:prstClr val="black"/>
-                </a:solidFill>
-                <a:latin typeface="Lato Light" panose="020F0302020204030203" pitchFamily="34" charset="77"/>
-              </a:rPr>
-              <a:t>Replit</a:t>
-            </a:r>
-            <a:r>
-              <a:rPr lang="de-DE" sz="2000" dirty="0">
-                <a:solidFill>
-                  <a:prstClr val="black"/>
-                </a:solidFill>
-                <a:latin typeface="Lato Light" panose="020F0302020204030203" pitchFamily="34" charset="77"/>
-              </a:rPr>
-              <a:t> als statischer Webserver…</a:t>
-            </a:r>
-          </a:p>
-        </p:txBody>
-      </p:sp>
-      <p:sp>
-        <p:nvSpPr>
-          <p:cNvPr id="3" name="Rectangle 2">
-            <a:extLst>
-              <a:ext uri="{FF2B5EF4-FFF2-40B4-BE49-F238E27FC236}">
-                <a16:creationId xmlns:a16="http://schemas.microsoft.com/office/drawing/2014/main" id="{23DFEE96-F0BF-B6CD-488F-C7B76C55CA48}"/>
-              </a:ext>
-            </a:extLst>
-          </p:cNvPr>
-          <p:cNvSpPr/>
-          <p:nvPr/>
-        </p:nvSpPr>
-        <p:spPr>
-          <a:xfrm>
-            <a:off x="517748" y="3551639"/>
-            <a:ext cx="5305586" cy="1015663"/>
-          </a:xfrm>
-          <a:prstGeom prst="rect">
-            <a:avLst/>
-          </a:prstGeom>
-        </p:spPr>
-        <p:txBody>
-          <a:bodyPr wrap="square">
-            <a:spAutoFit/>
-          </a:bodyPr>
-          <a:lstStyle/>
-          <a:p>
-            <a:pPr lvl="0" defTabSz="457200">
-              <a:spcBef>
-                <a:spcPct val="20000"/>
-              </a:spcBef>
-            </a:pPr>
-            <a:r>
-              <a:rPr lang="de-DE" sz="2000" dirty="0">
-                <a:solidFill>
-                  <a:prstClr val="black"/>
-                </a:solidFill>
-                <a:latin typeface="Lato Light" panose="020F0302020204030203" pitchFamily="34" charset="77"/>
-              </a:rPr>
-              <a:t>… kann keine Formulardaten verarbeiten und somit nicht dynamisch auf Eingaben reagieren…</a:t>
+              <a:t>shows_1. shows_2, shows_3</a:t>
             </a:r>
           </a:p>
         </p:txBody>
@@ -9851,7 +10064,7 @@
     </p:spTree>
     <p:extLst>
       <p:ext uri="{BB962C8B-B14F-4D97-AF65-F5344CB8AC3E}">
-        <p14:creationId xmlns:p14="http://schemas.microsoft.com/office/powerpoint/2010/main" val="2325757405"/>
+        <p14:creationId xmlns:p14="http://schemas.microsoft.com/office/powerpoint/2010/main" val="2285913096"/>
       </p:ext>
     </p:extLst>
   </p:cSld>
